--- a/2.) Introduction to computers/Introduction to computers.pptx
+++ b/2.) Introduction to computers/Introduction to computers.pptx
@@ -1,21 +1,27 @@
 
 <file path=ppt/presentation.xml><?xml version="1.0" encoding="utf-8"?>
-<p:presentation xmlns:a="http://schemas.openxmlformats.org/drawingml/2006/main" xmlns:r="http://schemas.openxmlformats.org/officeDocument/2006/relationships" xmlns:p="http://schemas.openxmlformats.org/presentationml/2006/main" autoCompressPictures="0">
+<p:presentation xmlns:a="http://schemas.openxmlformats.org/drawingml/2006/main" xmlns:r="http://schemas.openxmlformats.org/officeDocument/2006/relationships" xmlns:p="http://schemas.openxmlformats.org/presentationml/2006/main" showSpecialPlsOnTitleSld="0" autoCompressPictures="0">
   <p:sldMasterIdLst>
     <p:sldMasterId id="2147483648" r:id="rId1"/>
   </p:sldMasterIdLst>
+  <p:notesMasterIdLst>
+    <p:notesMasterId r:id="rId16"/>
+  </p:notesMasterIdLst>
   <p:sldIdLst>
     <p:sldId id="256" r:id="rId2"/>
     <p:sldId id="257" r:id="rId3"/>
     <p:sldId id="258" r:id="rId4"/>
-    <p:sldId id="259" r:id="rId5"/>
-    <p:sldId id="260" r:id="rId6"/>
-    <p:sldId id="261" r:id="rId7"/>
-    <p:sldId id="262" r:id="rId8"/>
-    <p:sldId id="263" r:id="rId9"/>
-    <p:sldId id="264" r:id="rId10"/>
-    <p:sldId id="271" r:id="rId11"/>
-    <p:sldId id="270" r:id="rId12"/>
+    <p:sldId id="272" r:id="rId5"/>
+    <p:sldId id="259" r:id="rId6"/>
+    <p:sldId id="260" r:id="rId7"/>
+    <p:sldId id="261" r:id="rId8"/>
+    <p:sldId id="262" r:id="rId9"/>
+    <p:sldId id="263" r:id="rId10"/>
+    <p:sldId id="264" r:id="rId11"/>
+    <p:sldId id="271" r:id="rId12"/>
+    <p:sldId id="273" r:id="rId13"/>
+    <p:sldId id="274" r:id="rId14"/>
+    <p:sldId id="270" r:id="rId15"/>
   </p:sldIdLst>
   <p:sldSz cx="12192000" cy="6858000"/>
   <p:notesSz cx="6858000" cy="9144000"/>
@@ -114,7 +120,361 @@
       </a:defRPr>
     </a:lvl9pPr>
   </p:defaultTextStyle>
+  <p:extLst>
+    <p:ext uri="{EFAFB233-063F-42B5-8137-9DF3F51BA10A}">
+      <p15:sldGuideLst xmlns:p15="http://schemas.microsoft.com/office/powerpoint/2012/main"/>
+    </p:ext>
+  </p:extLst>
 </p:presentation>
+</file>
+
+<file path=ppt/notesMasters/notesMaster1.xml><?xml version="1.0" encoding="utf-8"?>
+<p:notesMaster xmlns:a="http://schemas.openxmlformats.org/drawingml/2006/main" xmlns:r="http://schemas.openxmlformats.org/officeDocument/2006/relationships" xmlns:p="http://schemas.openxmlformats.org/presentationml/2006/main">
+  <p:cSld>
+    <p:bg>
+      <p:bgRef idx="1001">
+        <a:schemeClr val="bg1"/>
+      </p:bgRef>
+    </p:bg>
+    <p:spTree>
+      <p:nvGrpSpPr>
+        <p:cNvPr id="1" name=""/>
+        <p:cNvGrpSpPr/>
+        <p:nvPr/>
+      </p:nvGrpSpPr>
+      <p:grpSpPr>
+        <a:xfrm>
+          <a:off x="0" y="0"/>
+          <a:ext cx="0" cy="0"/>
+          <a:chOff x="0" y="0"/>
+          <a:chExt cx="0" cy="0"/>
+        </a:xfrm>
+      </p:grpSpPr>
+      <p:sp>
+        <p:nvSpPr>
+          <p:cNvPr id="2" name="Header Placeholder 1"/>
+          <p:cNvSpPr>
+            <a:spLocks noGrp="1"/>
+          </p:cNvSpPr>
+          <p:nvPr>
+            <p:ph type="hdr" sz="quarter"/>
+          </p:nvPr>
+        </p:nvSpPr>
+        <p:spPr>
+          <a:xfrm>
+            <a:off x="0" y="0"/>
+            <a:ext cx="2971800" cy="458788"/>
+          </a:xfrm>
+          <a:prstGeom prst="rect">
+            <a:avLst/>
+          </a:prstGeom>
+        </p:spPr>
+        <p:txBody>
+          <a:bodyPr vert="horz" lIns="91440" tIns="45720" rIns="91440" bIns="45720" rtlCol="0"/>
+          <a:lstStyle>
+            <a:lvl1pPr algn="l">
+              <a:defRPr sz="1200"/>
+            </a:lvl1pPr>
+          </a:lstStyle>
+          <a:p>
+            <a:endParaRPr lang="en-US"/>
+          </a:p>
+        </p:txBody>
+      </p:sp>
+      <p:sp>
+        <p:nvSpPr>
+          <p:cNvPr id="3" name="Date Placeholder 2"/>
+          <p:cNvSpPr>
+            <a:spLocks noGrp="1"/>
+          </p:cNvSpPr>
+          <p:nvPr>
+            <p:ph type="dt" idx="1"/>
+          </p:nvPr>
+        </p:nvSpPr>
+        <p:spPr>
+          <a:xfrm>
+            <a:off x="3884613" y="0"/>
+            <a:ext cx="2971800" cy="458788"/>
+          </a:xfrm>
+          <a:prstGeom prst="rect">
+            <a:avLst/>
+          </a:prstGeom>
+        </p:spPr>
+        <p:txBody>
+          <a:bodyPr vert="horz" lIns="91440" tIns="45720" rIns="91440" bIns="45720" rtlCol="0"/>
+          <a:lstStyle>
+            <a:lvl1pPr algn="r">
+              <a:defRPr sz="1200"/>
+            </a:lvl1pPr>
+          </a:lstStyle>
+          <a:p>
+            <a:fld id="{9515F772-A678-4DDC-AAD7-A3CFF74BE068}" type="datetimeFigureOut">
+              <a:rPr lang="en-US" smtClean="0"/>
+              <a:t>2020-01-23</a:t>
+            </a:fld>
+            <a:endParaRPr lang="en-US"/>
+          </a:p>
+        </p:txBody>
+      </p:sp>
+      <p:sp>
+        <p:nvSpPr>
+          <p:cNvPr id="4" name="Slide Image Placeholder 3"/>
+          <p:cNvSpPr>
+            <a:spLocks noGrp="1" noRot="1" noChangeAspect="1"/>
+          </p:cNvSpPr>
+          <p:nvPr>
+            <p:ph type="sldImg" idx="2"/>
+          </p:nvPr>
+        </p:nvSpPr>
+        <p:spPr>
+          <a:xfrm>
+            <a:off x="685800" y="1143000"/>
+            <a:ext cx="5486400" cy="3086100"/>
+          </a:xfrm>
+          <a:prstGeom prst="rect">
+            <a:avLst/>
+          </a:prstGeom>
+          <a:noFill/>
+          <a:ln w="12700">
+            <a:solidFill>
+              <a:prstClr val="black"/>
+            </a:solidFill>
+          </a:ln>
+        </p:spPr>
+        <p:txBody>
+          <a:bodyPr vert="horz" lIns="91440" tIns="45720" rIns="91440" bIns="45720" rtlCol="0" anchor="ctr"/>
+          <a:lstStyle/>
+          <a:p>
+            <a:endParaRPr lang="en-US"/>
+          </a:p>
+        </p:txBody>
+      </p:sp>
+      <p:sp>
+        <p:nvSpPr>
+          <p:cNvPr id="5" name="Notes Placeholder 4"/>
+          <p:cNvSpPr>
+            <a:spLocks noGrp="1"/>
+          </p:cNvSpPr>
+          <p:nvPr>
+            <p:ph type="body" sz="quarter" idx="3"/>
+          </p:nvPr>
+        </p:nvSpPr>
+        <p:spPr>
+          <a:xfrm>
+            <a:off x="685800" y="4400550"/>
+            <a:ext cx="5486400" cy="3600450"/>
+          </a:xfrm>
+          <a:prstGeom prst="rect">
+            <a:avLst/>
+          </a:prstGeom>
+        </p:spPr>
+        <p:txBody>
+          <a:bodyPr vert="horz" lIns="91440" tIns="45720" rIns="91440" bIns="45720" rtlCol="0"/>
+          <a:lstStyle/>
+          <a:p>
+            <a:pPr lvl="0"/>
+            <a:r>
+              <a:rPr lang="en-US"/>
+              <a:t>Click to edit Master text styles</a:t>
+            </a:r>
+          </a:p>
+          <a:p>
+            <a:pPr lvl="1"/>
+            <a:r>
+              <a:rPr lang="en-US"/>
+              <a:t>Second level</a:t>
+            </a:r>
+          </a:p>
+          <a:p>
+            <a:pPr lvl="2"/>
+            <a:r>
+              <a:rPr lang="en-US"/>
+              <a:t>Third level</a:t>
+            </a:r>
+          </a:p>
+          <a:p>
+            <a:pPr lvl="3"/>
+            <a:r>
+              <a:rPr lang="en-US"/>
+              <a:t>Fourth level</a:t>
+            </a:r>
+          </a:p>
+          <a:p>
+            <a:pPr lvl="4"/>
+            <a:r>
+              <a:rPr lang="en-US"/>
+              <a:t>Fifth level</a:t>
+            </a:r>
+          </a:p>
+        </p:txBody>
+      </p:sp>
+      <p:sp>
+        <p:nvSpPr>
+          <p:cNvPr id="6" name="Footer Placeholder 5"/>
+          <p:cNvSpPr>
+            <a:spLocks noGrp="1"/>
+          </p:cNvSpPr>
+          <p:nvPr>
+            <p:ph type="ftr" sz="quarter" idx="4"/>
+          </p:nvPr>
+        </p:nvSpPr>
+        <p:spPr>
+          <a:xfrm>
+            <a:off x="0" y="8685213"/>
+            <a:ext cx="2971800" cy="458787"/>
+          </a:xfrm>
+          <a:prstGeom prst="rect">
+            <a:avLst/>
+          </a:prstGeom>
+        </p:spPr>
+        <p:txBody>
+          <a:bodyPr vert="horz" lIns="91440" tIns="45720" rIns="91440" bIns="45720" rtlCol="0" anchor="b"/>
+          <a:lstStyle>
+            <a:lvl1pPr algn="l">
+              <a:defRPr sz="1200"/>
+            </a:lvl1pPr>
+          </a:lstStyle>
+          <a:p>
+            <a:endParaRPr lang="en-US"/>
+          </a:p>
+        </p:txBody>
+      </p:sp>
+      <p:sp>
+        <p:nvSpPr>
+          <p:cNvPr id="7" name="Slide Number Placeholder 6"/>
+          <p:cNvSpPr>
+            <a:spLocks noGrp="1"/>
+          </p:cNvSpPr>
+          <p:nvPr>
+            <p:ph type="sldNum" sz="quarter" idx="5"/>
+          </p:nvPr>
+        </p:nvSpPr>
+        <p:spPr>
+          <a:xfrm>
+            <a:off x="3884613" y="8685213"/>
+            <a:ext cx="2971800" cy="458787"/>
+          </a:xfrm>
+          <a:prstGeom prst="rect">
+            <a:avLst/>
+          </a:prstGeom>
+        </p:spPr>
+        <p:txBody>
+          <a:bodyPr vert="horz" lIns="91440" tIns="45720" rIns="91440" bIns="45720" rtlCol="0" anchor="b"/>
+          <a:lstStyle>
+            <a:lvl1pPr algn="r">
+              <a:defRPr sz="1200"/>
+            </a:lvl1pPr>
+          </a:lstStyle>
+          <a:p>
+            <a:fld id="{2F5D8116-1F3C-442E-BCA1-20AE237FA42B}" type="slidenum">
+              <a:rPr lang="en-US" smtClean="0"/>
+              <a:t>‹#›</a:t>
+            </a:fld>
+            <a:endParaRPr lang="en-US"/>
+          </a:p>
+        </p:txBody>
+      </p:sp>
+    </p:spTree>
+    <p:extLst>
+      <p:ext uri="{BB962C8B-B14F-4D97-AF65-F5344CB8AC3E}">
+        <p14:creationId xmlns:p14="http://schemas.microsoft.com/office/powerpoint/2010/main" val="942153274"/>
+      </p:ext>
+    </p:extLst>
+  </p:cSld>
+  <p:clrMap bg1="lt1" tx1="dk1" bg2="lt2" tx2="dk2" accent1="accent1" accent2="accent2" accent3="accent3" accent4="accent4" accent5="accent5" accent6="accent6" hlink="hlink" folHlink="folHlink"/>
+  <p:notesStyle>
+    <a:lvl1pPr marL="0" algn="l" defTabSz="914400" rtl="0" eaLnBrk="1" latinLnBrk="0" hangingPunct="1">
+      <a:defRPr sz="1200" kern="1200">
+        <a:solidFill>
+          <a:schemeClr val="tx1"/>
+        </a:solidFill>
+        <a:latin typeface="+mn-lt"/>
+        <a:ea typeface="+mn-ea"/>
+        <a:cs typeface="+mn-cs"/>
+      </a:defRPr>
+    </a:lvl1pPr>
+    <a:lvl2pPr marL="457200" algn="l" defTabSz="914400" rtl="0" eaLnBrk="1" latinLnBrk="0" hangingPunct="1">
+      <a:defRPr sz="1200" kern="1200">
+        <a:solidFill>
+          <a:schemeClr val="tx1"/>
+        </a:solidFill>
+        <a:latin typeface="+mn-lt"/>
+        <a:ea typeface="+mn-ea"/>
+        <a:cs typeface="+mn-cs"/>
+      </a:defRPr>
+    </a:lvl2pPr>
+    <a:lvl3pPr marL="914400" algn="l" defTabSz="914400" rtl="0" eaLnBrk="1" latinLnBrk="0" hangingPunct="1">
+      <a:defRPr sz="1200" kern="1200">
+        <a:solidFill>
+          <a:schemeClr val="tx1"/>
+        </a:solidFill>
+        <a:latin typeface="+mn-lt"/>
+        <a:ea typeface="+mn-ea"/>
+        <a:cs typeface="+mn-cs"/>
+      </a:defRPr>
+    </a:lvl3pPr>
+    <a:lvl4pPr marL="1371600" algn="l" defTabSz="914400" rtl="0" eaLnBrk="1" latinLnBrk="0" hangingPunct="1">
+      <a:defRPr sz="1200" kern="1200">
+        <a:solidFill>
+          <a:schemeClr val="tx1"/>
+        </a:solidFill>
+        <a:latin typeface="+mn-lt"/>
+        <a:ea typeface="+mn-ea"/>
+        <a:cs typeface="+mn-cs"/>
+      </a:defRPr>
+    </a:lvl4pPr>
+    <a:lvl5pPr marL="1828800" algn="l" defTabSz="914400" rtl="0" eaLnBrk="1" latinLnBrk="0" hangingPunct="1">
+      <a:defRPr sz="1200" kern="1200">
+        <a:solidFill>
+          <a:schemeClr val="tx1"/>
+        </a:solidFill>
+        <a:latin typeface="+mn-lt"/>
+        <a:ea typeface="+mn-ea"/>
+        <a:cs typeface="+mn-cs"/>
+      </a:defRPr>
+    </a:lvl5pPr>
+    <a:lvl6pPr marL="2286000" algn="l" defTabSz="914400" rtl="0" eaLnBrk="1" latinLnBrk="0" hangingPunct="1">
+      <a:defRPr sz="1200" kern="1200">
+        <a:solidFill>
+          <a:schemeClr val="tx1"/>
+        </a:solidFill>
+        <a:latin typeface="+mn-lt"/>
+        <a:ea typeface="+mn-ea"/>
+        <a:cs typeface="+mn-cs"/>
+      </a:defRPr>
+    </a:lvl6pPr>
+    <a:lvl7pPr marL="2743200" algn="l" defTabSz="914400" rtl="0" eaLnBrk="1" latinLnBrk="0" hangingPunct="1">
+      <a:defRPr sz="1200" kern="1200">
+        <a:solidFill>
+          <a:schemeClr val="tx1"/>
+        </a:solidFill>
+        <a:latin typeface="+mn-lt"/>
+        <a:ea typeface="+mn-ea"/>
+        <a:cs typeface="+mn-cs"/>
+      </a:defRPr>
+    </a:lvl7pPr>
+    <a:lvl8pPr marL="3200400" algn="l" defTabSz="914400" rtl="0" eaLnBrk="1" latinLnBrk="0" hangingPunct="1">
+      <a:defRPr sz="1200" kern="1200">
+        <a:solidFill>
+          <a:schemeClr val="tx1"/>
+        </a:solidFill>
+        <a:latin typeface="+mn-lt"/>
+        <a:ea typeface="+mn-ea"/>
+        <a:cs typeface="+mn-cs"/>
+      </a:defRPr>
+    </a:lvl8pPr>
+    <a:lvl9pPr marL="3657600" algn="l" defTabSz="914400" rtl="0" eaLnBrk="1" latinLnBrk="0" hangingPunct="1">
+      <a:defRPr sz="1200" kern="1200">
+        <a:solidFill>
+          <a:schemeClr val="tx1"/>
+        </a:solidFill>
+        <a:latin typeface="+mn-lt"/>
+        <a:ea typeface="+mn-ea"/>
+        <a:cs typeface="+mn-cs"/>
+      </a:defRPr>
+    </a:lvl9pPr>
+  </p:notesStyle>
+</p:notesMaster>
 </file>
 
 <file path=ppt/slideLayouts/slideLayout1.xml><?xml version="1.0" encoding="utf-8"?>
@@ -288,10 +648,9 @@
             </a:lvl1pPr>
           </a:lstStyle>
           <a:p>
-            <a:fld id="{87DE6118-2437-4B30-8E3C-4D2BE6020583}" type="datetimeFigureOut">
-              <a:rPr lang="en-US" dirty="0"/>
-              <a:pPr/>
-              <a:t>2020-01-22</a:t>
+            <a:fld id="{78BC67F3-AD3E-4FAB-B9B6-A93A43409EF8}" type="datetime1">
+              <a:rPr lang="en-US" smtClean="0"/>
+              <a:t>2020-01-23</a:t>
             </a:fld>
             <a:endParaRPr lang="en-US" dirty="0"/>
           </a:p>
@@ -622,9 +981,9 @@
           <a:bodyPr/>
           <a:lstStyle/>
           <a:p>
-            <a:fld id="{87DE6118-2437-4B30-8E3C-4D2BE6020583}" type="datetimeFigureOut">
-              <a:rPr lang="en-US" dirty="0"/>
-              <a:t>2020-01-22</a:t>
+            <a:fld id="{EA437011-32F9-49F5-824E-AE4AF93E0237}" type="datetime1">
+              <a:rPr lang="en-US" smtClean="0"/>
+              <a:t>2020-01-23</a:t>
             </a:fld>
             <a:endParaRPr lang="en-US" dirty="0"/>
           </a:p>
@@ -797,9 +1156,9 @@
           <a:bodyPr/>
           <a:lstStyle/>
           <a:p>
-            <a:fld id="{87DE6118-2437-4B30-8E3C-4D2BE6020583}" type="datetimeFigureOut">
-              <a:rPr lang="en-US" dirty="0"/>
-              <a:t>2020-01-22</a:t>
+            <a:fld id="{697B7748-817F-4F81-937C-08E43DE7E70C}" type="datetime1">
+              <a:rPr lang="en-US" smtClean="0"/>
+              <a:t>2020-01-23</a:t>
             </a:fld>
             <a:endParaRPr lang="en-US" dirty="0"/>
           </a:p>
@@ -962,9 +1321,9 @@
           <a:bodyPr/>
           <a:lstStyle/>
           <a:p>
-            <a:fld id="{87DE6118-2437-4B30-8E3C-4D2BE6020583}" type="datetimeFigureOut">
-              <a:rPr lang="en-US" dirty="0"/>
-              <a:t>2020-01-22</a:t>
+            <a:fld id="{C00DE741-DFCD-443B-AAD2-B180D2046C37}" type="datetime1">
+              <a:rPr lang="en-US" smtClean="0"/>
+              <a:t>2020-01-23</a:t>
             </a:fld>
             <a:endParaRPr lang="en-US" dirty="0"/>
           </a:p>
@@ -1234,10 +1593,9 @@
             </a:lvl1pPr>
           </a:lstStyle>
           <a:p>
-            <a:fld id="{87DE6118-2437-4B30-8E3C-4D2BE6020583}" type="datetimeFigureOut">
-              <a:rPr lang="en-US" dirty="0"/>
-              <a:pPr/>
-              <a:t>2020-01-22</a:t>
+            <a:fld id="{538DDF32-175E-4558-9BB8-D8512DF4B842}" type="datetime1">
+              <a:rPr lang="en-US" smtClean="0"/>
+              <a:t>2020-01-23</a:t>
             </a:fld>
             <a:endParaRPr lang="en-US" dirty="0"/>
           </a:p>
@@ -1625,9 +1983,9 @@
           <a:bodyPr/>
           <a:lstStyle/>
           <a:p>
-            <a:fld id="{87DE6118-2437-4B30-8E3C-4D2BE6020583}" type="datetimeFigureOut">
-              <a:rPr lang="en-US" dirty="0"/>
-              <a:t>2020-01-22</a:t>
+            <a:fld id="{66801C1B-3FD8-4BAC-837D-9FB5AC3A6102}" type="datetime1">
+              <a:rPr lang="en-US" smtClean="0"/>
+              <a:t>2020-01-23</a:t>
             </a:fld>
             <a:endParaRPr lang="en-US" dirty="0"/>
           </a:p>
@@ -2097,9 +2455,9 @@
           <a:bodyPr/>
           <a:lstStyle/>
           <a:p>
-            <a:fld id="{87DE6118-2437-4B30-8E3C-4D2BE6020583}" type="datetimeFigureOut">
-              <a:rPr lang="en-US" dirty="0"/>
-              <a:t>2020-01-22</a:t>
+            <a:fld id="{9D916085-F6D0-4857-8D6B-AC8CDAA3244B}" type="datetime1">
+              <a:rPr lang="en-US" smtClean="0"/>
+              <a:t>2020-01-23</a:t>
             </a:fld>
             <a:endParaRPr lang="en-US" dirty="0"/>
           </a:p>
@@ -2210,9 +2568,9 @@
           <a:bodyPr/>
           <a:lstStyle/>
           <a:p>
-            <a:fld id="{87DE6118-2437-4B30-8E3C-4D2BE6020583}" type="datetimeFigureOut">
-              <a:rPr lang="en-US" dirty="0"/>
-              <a:t>2020-01-22</a:t>
+            <a:fld id="{EE4C4919-36CE-4756-9E36-629627B00DD9}" type="datetime1">
+              <a:rPr lang="en-US" smtClean="0"/>
+              <a:t>2020-01-23</a:t>
             </a:fld>
             <a:endParaRPr lang="en-US" dirty="0"/>
           </a:p>
@@ -2300,9 +2658,9 @@
           <a:bodyPr/>
           <a:lstStyle/>
           <a:p>
-            <a:fld id="{87DE6118-2437-4B30-8E3C-4D2BE6020583}" type="datetimeFigureOut">
-              <a:rPr lang="en-US" dirty="0"/>
-              <a:t>2020-01-22</a:t>
+            <a:fld id="{06D03A4C-38C3-4CB0-AF49-9D188FF1DFE7}" type="datetime1">
+              <a:rPr lang="en-US" smtClean="0"/>
+              <a:t>2020-01-23</a:t>
             </a:fld>
             <a:endParaRPr lang="en-US" dirty="0"/>
           </a:p>
@@ -2641,10 +2999,9 @@
             </a:lvl1pPr>
           </a:lstStyle>
           <a:p>
-            <a:fld id="{87DE6118-2437-4B30-8E3C-4D2BE6020583}" type="datetimeFigureOut">
-              <a:rPr lang="en-US" dirty="0"/>
-              <a:pPr/>
-              <a:t>2020-01-22</a:t>
+            <a:fld id="{E09B0BFF-7A7B-471D-A57B-961872AF1F49}" type="datetime1">
+              <a:rPr lang="en-US" smtClean="0"/>
+              <a:t>2020-01-23</a:t>
             </a:fld>
             <a:endParaRPr lang="en-US" dirty="0"/>
           </a:p>
@@ -3026,10 +3383,9 @@
             </a:lvl1pPr>
           </a:lstStyle>
           <a:p>
-            <a:fld id="{87DE6118-2437-4B30-8E3C-4D2BE6020583}" type="datetimeFigureOut">
-              <a:rPr lang="en-US" dirty="0"/>
-              <a:pPr/>
-              <a:t>2020-01-22</a:t>
+            <a:fld id="{E33B690A-6931-4696-AACD-1669D175C044}" type="datetime1">
+              <a:rPr lang="en-US" smtClean="0"/>
+              <a:t>2020-01-23</a:t>
             </a:fld>
             <a:endParaRPr lang="en-US" dirty="0"/>
           </a:p>
@@ -3299,10 +3655,9 @@
             </a:lvl1pPr>
           </a:lstStyle>
           <a:p>
-            <a:fld id="{87DE6118-2437-4B30-8E3C-4D2BE6020583}" type="datetimeFigureOut">
-              <a:rPr lang="en-US" dirty="0"/>
-              <a:pPr/>
-              <a:t>2020-01-22</a:t>
+            <a:fld id="{00C59791-29DA-475D-A634-52525F3A77EE}" type="datetime1">
+              <a:rPr lang="en-US" smtClean="0"/>
+              <a:t>2020-01-23</a:t>
             </a:fld>
             <a:endParaRPr lang="en-US" dirty="0"/>
           </a:p>
@@ -3437,6 +3792,7 @@
     <p:sldLayoutId id="2147483658" r:id="rId10"/>
     <p:sldLayoutId id="2147483659" r:id="rId11"/>
   </p:sldLayoutIdLst>
+  <p:hf hdr="0" ftr="0" dt="0"/>
   <p:txStyles>
     <p:titleStyle>
       <a:lvl1pPr algn="l" defTabSz="914400" rtl="0" eaLnBrk="1" latinLnBrk="0" hangingPunct="1">
@@ -3966,6 +4322,177 @@
           <a:p>
             <a:r>
               <a:rPr lang="en-US" dirty="0"/>
+              <a:t>Computer Components – HDD, SSHD, SSD </a:t>
+            </a:r>
+          </a:p>
+        </p:txBody>
+      </p:sp>
+      <p:sp>
+        <p:nvSpPr>
+          <p:cNvPr id="5" name="Content Placeholder 4">
+            <a:extLst>
+              <a:ext uri="{FF2B5EF4-FFF2-40B4-BE49-F238E27FC236}">
+                <a16:creationId xmlns:a16="http://schemas.microsoft.com/office/drawing/2014/main" id="{7E0525B3-5405-4A70-AE33-1941456021DD}"/>
+              </a:ext>
+            </a:extLst>
+          </p:cNvPr>
+          <p:cNvSpPr>
+            <a:spLocks noGrp="1"/>
+          </p:cNvSpPr>
+          <p:nvPr>
+            <p:ph idx="1"/>
+          </p:nvPr>
+        </p:nvSpPr>
+        <p:spPr>
+          <a:xfrm>
+            <a:off x="1371600" y="2171700"/>
+            <a:ext cx="9601200" cy="4251960"/>
+          </a:xfrm>
+        </p:spPr>
+        <p:txBody>
+          <a:bodyPr>
+            <a:normAutofit fontScale="92500"/>
+          </a:bodyPr>
+          <a:lstStyle/>
+          <a:p>
+            <a:pPr>
+              <a:lnSpc>
+                <a:spcPct val="150000"/>
+              </a:lnSpc>
+            </a:pPr>
+            <a:r>
+              <a:rPr lang="en-US" dirty="0"/>
+              <a:t>Storage is measured in Gigabytes (GB) nowadays so the higher the number of GB the better. It should be noted that 1TB(Terabyte) = 1000GB. </a:t>
+            </a:r>
+          </a:p>
+          <a:p>
+            <a:pPr>
+              <a:lnSpc>
+                <a:spcPct val="150000"/>
+              </a:lnSpc>
+            </a:pPr>
+            <a:r>
+              <a:rPr lang="en-US" dirty="0"/>
+              <a:t>SSD is the fastest and HDD is the slowest. </a:t>
+            </a:r>
+          </a:p>
+          <a:p>
+            <a:pPr>
+              <a:lnSpc>
+                <a:spcPct val="150000"/>
+              </a:lnSpc>
+            </a:pPr>
+            <a:r>
+              <a:rPr lang="en-US" dirty="0"/>
+              <a:t>Why is this? SSDs have no moving parts but HDDs do. Those moving parts introduce a considerable amount of time into reading and writing data. </a:t>
+            </a:r>
+          </a:p>
+          <a:p>
+            <a:pPr>
+              <a:lnSpc>
+                <a:spcPct val="150000"/>
+              </a:lnSpc>
+            </a:pPr>
+            <a:r>
+              <a:rPr lang="en-US" dirty="0"/>
+              <a:t>SSHDs have moving parts but they also have a bit of ‘SSD or flash’ memory in them hence the ‘hybrid’. </a:t>
+            </a:r>
+          </a:p>
+          <a:p>
+            <a:pPr>
+              <a:lnSpc>
+                <a:spcPct val="150000"/>
+              </a:lnSpc>
+            </a:pPr>
+            <a:r>
+              <a:rPr lang="en-US" dirty="0"/>
+              <a:t>HDDs also come in speeds of 5400RPM and 7200RPM, the latter being the better</a:t>
+            </a:r>
+          </a:p>
+        </p:txBody>
+      </p:sp>
+      <p:sp>
+        <p:nvSpPr>
+          <p:cNvPr id="3" name="Slide Number Placeholder 2">
+            <a:extLst>
+              <a:ext uri="{FF2B5EF4-FFF2-40B4-BE49-F238E27FC236}">
+                <a16:creationId xmlns:a16="http://schemas.microsoft.com/office/drawing/2014/main" id="{ECF3D928-20B8-4BAF-BF69-D898EBC009C5}"/>
+              </a:ext>
+            </a:extLst>
+          </p:cNvPr>
+          <p:cNvSpPr>
+            <a:spLocks noGrp="1"/>
+          </p:cNvSpPr>
+          <p:nvPr>
+            <p:ph type="sldNum" sz="quarter" idx="12"/>
+          </p:nvPr>
+        </p:nvSpPr>
+        <p:spPr/>
+        <p:txBody>
+          <a:bodyPr/>
+          <a:lstStyle/>
+          <a:p>
+            <a:fld id="{69E57DC2-970A-4B3E-BB1C-7A09969E49DF}" type="slidenum">
+              <a:rPr lang="en-US" smtClean="0"/>
+              <a:t>10</a:t>
+            </a:fld>
+            <a:endParaRPr lang="en-US" dirty="0"/>
+          </a:p>
+        </p:txBody>
+      </p:sp>
+    </p:spTree>
+    <p:extLst>
+      <p:ext uri="{BB962C8B-B14F-4D97-AF65-F5344CB8AC3E}">
+        <p14:creationId xmlns:p14="http://schemas.microsoft.com/office/powerpoint/2010/main" val="1680985903"/>
+      </p:ext>
+    </p:extLst>
+  </p:cSld>
+  <p:clrMapOvr>
+    <a:masterClrMapping/>
+  </p:clrMapOvr>
+</p:sld>
+</file>
+
+<file path=ppt/slides/slide11.xml><?xml version="1.0" encoding="utf-8"?>
+<p:sld xmlns:a="http://schemas.openxmlformats.org/drawingml/2006/main" xmlns:r="http://schemas.openxmlformats.org/officeDocument/2006/relationships" xmlns:p="http://schemas.openxmlformats.org/presentationml/2006/main">
+  <p:cSld>
+    <p:spTree>
+      <p:nvGrpSpPr>
+        <p:cNvPr id="1" name=""/>
+        <p:cNvGrpSpPr/>
+        <p:nvPr/>
+      </p:nvGrpSpPr>
+      <p:grpSpPr>
+        <a:xfrm>
+          <a:off x="0" y="0"/>
+          <a:ext cx="0" cy="0"/>
+          <a:chOff x="0" y="0"/>
+          <a:chExt cx="0" cy="0"/>
+        </a:xfrm>
+      </p:grpSpPr>
+      <p:sp>
+        <p:nvSpPr>
+          <p:cNvPr id="2" name="Title 1">
+            <a:extLst>
+              <a:ext uri="{FF2B5EF4-FFF2-40B4-BE49-F238E27FC236}">
+                <a16:creationId xmlns:a16="http://schemas.microsoft.com/office/drawing/2014/main" id="{968CD72F-3BDD-4C03-880C-94F65EA556BD}"/>
+              </a:ext>
+            </a:extLst>
+          </p:cNvPr>
+          <p:cNvSpPr>
+            <a:spLocks noGrp="1"/>
+          </p:cNvSpPr>
+          <p:nvPr>
+            <p:ph type="title"/>
+          </p:nvPr>
+        </p:nvSpPr>
+        <p:spPr/>
+        <p:txBody>
+          <a:bodyPr/>
+          <a:lstStyle/>
+          <a:p>
+            <a:r>
+              <a:rPr lang="en-US" dirty="0"/>
               <a:t>Computer Components – I/O</a:t>
             </a:r>
           </a:p>
@@ -4107,6 +4634,35 @@
               <a:buFontTx/>
               <a:buChar char="-"/>
             </a:pPr>
+            <a:endParaRPr lang="en-US" dirty="0"/>
+          </a:p>
+        </p:txBody>
+      </p:sp>
+      <p:sp>
+        <p:nvSpPr>
+          <p:cNvPr id="3" name="Slide Number Placeholder 2">
+            <a:extLst>
+              <a:ext uri="{FF2B5EF4-FFF2-40B4-BE49-F238E27FC236}">
+                <a16:creationId xmlns:a16="http://schemas.microsoft.com/office/drawing/2014/main" id="{B02CB9B8-6EB2-4BB0-9AD5-B81C6B55B7AC}"/>
+              </a:ext>
+            </a:extLst>
+          </p:cNvPr>
+          <p:cNvSpPr>
+            <a:spLocks noGrp="1"/>
+          </p:cNvSpPr>
+          <p:nvPr>
+            <p:ph type="sldNum" sz="quarter" idx="12"/>
+          </p:nvPr>
+        </p:nvSpPr>
+        <p:spPr/>
+        <p:txBody>
+          <a:bodyPr/>
+          <a:lstStyle/>
+          <a:p>
+            <a:fld id="{69E57DC2-970A-4B3E-BB1C-7A09969E49DF}" type="slidenum">
+              <a:rPr lang="en-US" smtClean="0"/>
+              <a:t>11</a:t>
+            </a:fld>
             <a:endParaRPr lang="en-US" dirty="0"/>
           </a:p>
         </p:txBody>
@@ -4124,7 +4680,378 @@
 </p:sld>
 </file>
 
-<file path=ppt/slides/slide11.xml><?xml version="1.0" encoding="utf-8"?>
+<file path=ppt/slides/slide12.xml><?xml version="1.0" encoding="utf-8"?>
+<p:sld xmlns:a="http://schemas.openxmlformats.org/drawingml/2006/main" xmlns:r="http://schemas.openxmlformats.org/officeDocument/2006/relationships" xmlns:p="http://schemas.openxmlformats.org/presentationml/2006/main">
+  <p:cSld>
+    <p:spTree>
+      <p:nvGrpSpPr>
+        <p:cNvPr id="1" name=""/>
+        <p:cNvGrpSpPr/>
+        <p:nvPr/>
+      </p:nvGrpSpPr>
+      <p:grpSpPr>
+        <a:xfrm>
+          <a:off x="0" y="0"/>
+          <a:ext cx="0" cy="0"/>
+          <a:chOff x="0" y="0"/>
+          <a:chExt cx="0" cy="0"/>
+        </a:xfrm>
+      </p:grpSpPr>
+      <p:sp>
+        <p:nvSpPr>
+          <p:cNvPr id="2" name="Title 1">
+            <a:extLst>
+              <a:ext uri="{FF2B5EF4-FFF2-40B4-BE49-F238E27FC236}">
+                <a16:creationId xmlns:a16="http://schemas.microsoft.com/office/drawing/2014/main" id="{968CD72F-3BDD-4C03-880C-94F65EA556BD}"/>
+              </a:ext>
+            </a:extLst>
+          </p:cNvPr>
+          <p:cNvSpPr>
+            <a:spLocks noGrp="1"/>
+          </p:cNvSpPr>
+          <p:nvPr>
+            <p:ph type="title"/>
+          </p:nvPr>
+        </p:nvSpPr>
+        <p:spPr/>
+        <p:txBody>
+          <a:bodyPr/>
+          <a:lstStyle/>
+          <a:p>
+            <a:r>
+              <a:rPr lang="en-US" dirty="0"/>
+              <a:t>Operating Systems</a:t>
+            </a:r>
+          </a:p>
+        </p:txBody>
+      </p:sp>
+      <p:sp>
+        <p:nvSpPr>
+          <p:cNvPr id="5" name="Content Placeholder 4">
+            <a:extLst>
+              <a:ext uri="{FF2B5EF4-FFF2-40B4-BE49-F238E27FC236}">
+                <a16:creationId xmlns:a16="http://schemas.microsoft.com/office/drawing/2014/main" id="{7E0525B3-5405-4A70-AE33-1941456021DD}"/>
+              </a:ext>
+            </a:extLst>
+          </p:cNvPr>
+          <p:cNvSpPr>
+            <a:spLocks noGrp="1"/>
+          </p:cNvSpPr>
+          <p:nvPr>
+            <p:ph idx="1"/>
+          </p:nvPr>
+        </p:nvSpPr>
+        <p:spPr>
+          <a:xfrm>
+            <a:off x="1371600" y="2171700"/>
+            <a:ext cx="9601200" cy="4251960"/>
+          </a:xfrm>
+        </p:spPr>
+        <p:txBody>
+          <a:bodyPr>
+            <a:normAutofit/>
+          </a:bodyPr>
+          <a:lstStyle/>
+          <a:p>
+            <a:pPr>
+              <a:lnSpc>
+                <a:spcPct val="150000"/>
+              </a:lnSpc>
+            </a:pPr>
+            <a:r>
+              <a:rPr lang="en-US" dirty="0"/>
+              <a:t>There a wide variety of OSs available:</a:t>
+            </a:r>
+          </a:p>
+          <a:p>
+            <a:pPr lvl="1">
+              <a:lnSpc>
+                <a:spcPct val="150000"/>
+              </a:lnSpc>
+            </a:pPr>
+            <a:r>
+              <a:rPr lang="en-US" dirty="0"/>
+              <a:t>Windows 10, 8.1, 8, 7, Server, XP</a:t>
+            </a:r>
+          </a:p>
+          <a:p>
+            <a:pPr lvl="1">
+              <a:lnSpc>
+                <a:spcPct val="150000"/>
+              </a:lnSpc>
+            </a:pPr>
+            <a:r>
+              <a:rPr lang="en-US" dirty="0"/>
+              <a:t>MacOS Catalina, High Sierra</a:t>
+            </a:r>
+          </a:p>
+          <a:p>
+            <a:pPr lvl="1">
+              <a:lnSpc>
+                <a:spcPct val="150000"/>
+              </a:lnSpc>
+            </a:pPr>
+            <a:r>
+              <a:rPr lang="en-US" dirty="0"/>
+              <a:t>Ubuntu</a:t>
+            </a:r>
+          </a:p>
+          <a:p>
+            <a:pPr lvl="1">
+              <a:lnSpc>
+                <a:spcPct val="150000"/>
+              </a:lnSpc>
+            </a:pPr>
+            <a:r>
+              <a:rPr lang="en-US" dirty="0"/>
+              <a:t>Linux </a:t>
+            </a:r>
+          </a:p>
+          <a:p>
+            <a:pPr lvl="1">
+              <a:lnSpc>
+                <a:spcPct val="150000"/>
+              </a:lnSpc>
+            </a:pPr>
+            <a:r>
+              <a:rPr lang="en-US" dirty="0"/>
+              <a:t>And much more</a:t>
+            </a:r>
+          </a:p>
+          <a:p>
+            <a:pPr lvl="2">
+              <a:lnSpc>
+                <a:spcPct val="100000"/>
+              </a:lnSpc>
+              <a:buFontTx/>
+              <a:buChar char="-"/>
+            </a:pPr>
+            <a:endParaRPr lang="en-US" dirty="0"/>
+          </a:p>
+          <a:p>
+            <a:pPr lvl="2">
+              <a:lnSpc>
+                <a:spcPct val="100000"/>
+              </a:lnSpc>
+              <a:buFontTx/>
+              <a:buChar char="-"/>
+            </a:pPr>
+            <a:endParaRPr lang="en-US" dirty="0"/>
+          </a:p>
+        </p:txBody>
+      </p:sp>
+      <p:sp>
+        <p:nvSpPr>
+          <p:cNvPr id="3" name="Slide Number Placeholder 2">
+            <a:extLst>
+              <a:ext uri="{FF2B5EF4-FFF2-40B4-BE49-F238E27FC236}">
+                <a16:creationId xmlns:a16="http://schemas.microsoft.com/office/drawing/2014/main" id="{B02CB9B8-6EB2-4BB0-9AD5-B81C6B55B7AC}"/>
+              </a:ext>
+            </a:extLst>
+          </p:cNvPr>
+          <p:cNvSpPr>
+            <a:spLocks noGrp="1"/>
+          </p:cNvSpPr>
+          <p:nvPr>
+            <p:ph type="sldNum" sz="quarter" idx="12"/>
+          </p:nvPr>
+        </p:nvSpPr>
+        <p:spPr/>
+        <p:txBody>
+          <a:bodyPr/>
+          <a:lstStyle/>
+          <a:p>
+            <a:fld id="{69E57DC2-970A-4B3E-BB1C-7A09969E49DF}" type="slidenum">
+              <a:rPr lang="en-US" smtClean="0"/>
+              <a:t>12</a:t>
+            </a:fld>
+            <a:endParaRPr lang="en-US" dirty="0"/>
+          </a:p>
+        </p:txBody>
+      </p:sp>
+    </p:spTree>
+    <p:extLst>
+      <p:ext uri="{BB962C8B-B14F-4D97-AF65-F5344CB8AC3E}">
+        <p14:creationId xmlns:p14="http://schemas.microsoft.com/office/powerpoint/2010/main" val="3654009173"/>
+      </p:ext>
+    </p:extLst>
+  </p:cSld>
+  <p:clrMapOvr>
+    <a:masterClrMapping/>
+  </p:clrMapOvr>
+</p:sld>
+</file>
+
+<file path=ppt/slides/slide13.xml><?xml version="1.0" encoding="utf-8"?>
+<p:sld xmlns:a="http://schemas.openxmlformats.org/drawingml/2006/main" xmlns:r="http://schemas.openxmlformats.org/officeDocument/2006/relationships" xmlns:p="http://schemas.openxmlformats.org/presentationml/2006/main">
+  <p:cSld>
+    <p:spTree>
+      <p:nvGrpSpPr>
+        <p:cNvPr id="1" name=""/>
+        <p:cNvGrpSpPr/>
+        <p:nvPr/>
+      </p:nvGrpSpPr>
+      <p:grpSpPr>
+        <a:xfrm>
+          <a:off x="0" y="0"/>
+          <a:ext cx="0" cy="0"/>
+          <a:chOff x="0" y="0"/>
+          <a:chExt cx="0" cy="0"/>
+        </a:xfrm>
+      </p:grpSpPr>
+      <p:sp>
+        <p:nvSpPr>
+          <p:cNvPr id="2" name="Title 1">
+            <a:extLst>
+              <a:ext uri="{FF2B5EF4-FFF2-40B4-BE49-F238E27FC236}">
+                <a16:creationId xmlns:a16="http://schemas.microsoft.com/office/drawing/2014/main" id="{968CD72F-3BDD-4C03-880C-94F65EA556BD}"/>
+              </a:ext>
+            </a:extLst>
+          </p:cNvPr>
+          <p:cNvSpPr>
+            <a:spLocks noGrp="1"/>
+          </p:cNvSpPr>
+          <p:nvPr>
+            <p:ph type="title"/>
+          </p:nvPr>
+        </p:nvSpPr>
+        <p:spPr/>
+        <p:txBody>
+          <a:bodyPr/>
+          <a:lstStyle/>
+          <a:p>
+            <a:r>
+              <a:rPr lang="en-US" dirty="0"/>
+              <a:t>Operating Systems</a:t>
+            </a:r>
+          </a:p>
+        </p:txBody>
+      </p:sp>
+      <p:sp>
+        <p:nvSpPr>
+          <p:cNvPr id="5" name="Content Placeholder 4">
+            <a:extLst>
+              <a:ext uri="{FF2B5EF4-FFF2-40B4-BE49-F238E27FC236}">
+                <a16:creationId xmlns:a16="http://schemas.microsoft.com/office/drawing/2014/main" id="{7E0525B3-5405-4A70-AE33-1941456021DD}"/>
+              </a:ext>
+            </a:extLst>
+          </p:cNvPr>
+          <p:cNvSpPr>
+            <a:spLocks noGrp="1"/>
+          </p:cNvSpPr>
+          <p:nvPr>
+            <p:ph idx="1"/>
+          </p:nvPr>
+        </p:nvSpPr>
+        <p:spPr>
+          <a:xfrm>
+            <a:off x="1371600" y="2171700"/>
+            <a:ext cx="9601200" cy="4251960"/>
+          </a:xfrm>
+        </p:spPr>
+        <p:txBody>
+          <a:bodyPr>
+            <a:normAutofit/>
+          </a:bodyPr>
+          <a:lstStyle/>
+          <a:p>
+            <a:pPr>
+              <a:lnSpc>
+                <a:spcPct val="150000"/>
+              </a:lnSpc>
+            </a:pPr>
+            <a:r>
+              <a:rPr lang="en-US" dirty="0"/>
+              <a:t>They all provide an interface, a layer of abstraction, between a specific machine and the software and firmware that’s run on it</a:t>
+            </a:r>
+          </a:p>
+          <a:p>
+            <a:pPr>
+              <a:lnSpc>
+                <a:spcPct val="150000"/>
+              </a:lnSpc>
+            </a:pPr>
+            <a:r>
+              <a:rPr lang="en-US" dirty="0"/>
+              <a:t>Think about the millions of different computer hardware setups that exist, but most of the time if it runs an OS you’re familiar with, you can use that hardware setup</a:t>
+            </a:r>
+          </a:p>
+          <a:p>
+            <a:pPr>
+              <a:lnSpc>
+                <a:spcPct val="150000"/>
+              </a:lnSpc>
+            </a:pPr>
+            <a:r>
+              <a:rPr lang="en-US" dirty="0"/>
+              <a:t>OSs handle everything on your computer, but even more important than that is your BIOS, which is, for further reading</a:t>
+            </a:r>
+          </a:p>
+          <a:p>
+            <a:pPr lvl="2">
+              <a:lnSpc>
+                <a:spcPct val="100000"/>
+              </a:lnSpc>
+              <a:buFontTx/>
+              <a:buChar char="-"/>
+            </a:pPr>
+            <a:endParaRPr lang="en-US" dirty="0"/>
+          </a:p>
+          <a:p>
+            <a:pPr lvl="2">
+              <a:lnSpc>
+                <a:spcPct val="100000"/>
+              </a:lnSpc>
+              <a:buFontTx/>
+              <a:buChar char="-"/>
+            </a:pPr>
+            <a:endParaRPr lang="en-US" dirty="0"/>
+          </a:p>
+        </p:txBody>
+      </p:sp>
+      <p:sp>
+        <p:nvSpPr>
+          <p:cNvPr id="3" name="Slide Number Placeholder 2">
+            <a:extLst>
+              <a:ext uri="{FF2B5EF4-FFF2-40B4-BE49-F238E27FC236}">
+                <a16:creationId xmlns:a16="http://schemas.microsoft.com/office/drawing/2014/main" id="{B02CB9B8-6EB2-4BB0-9AD5-B81C6B55B7AC}"/>
+              </a:ext>
+            </a:extLst>
+          </p:cNvPr>
+          <p:cNvSpPr>
+            <a:spLocks noGrp="1"/>
+          </p:cNvSpPr>
+          <p:nvPr>
+            <p:ph type="sldNum" sz="quarter" idx="12"/>
+          </p:nvPr>
+        </p:nvSpPr>
+        <p:spPr/>
+        <p:txBody>
+          <a:bodyPr/>
+          <a:lstStyle/>
+          <a:p>
+            <a:fld id="{69E57DC2-970A-4B3E-BB1C-7A09969E49DF}" type="slidenum">
+              <a:rPr lang="en-US" smtClean="0"/>
+              <a:t>13</a:t>
+            </a:fld>
+            <a:endParaRPr lang="en-US" dirty="0"/>
+          </a:p>
+        </p:txBody>
+      </p:sp>
+    </p:spTree>
+    <p:extLst>
+      <p:ext uri="{BB962C8B-B14F-4D97-AF65-F5344CB8AC3E}">
+        <p14:creationId xmlns:p14="http://schemas.microsoft.com/office/powerpoint/2010/main" val="2674593333"/>
+      </p:ext>
+    </p:extLst>
+  </p:cSld>
+  <p:clrMapOvr>
+    <a:masterClrMapping/>
+  </p:clrMapOvr>
+</p:sld>
+</file>
+
+<file path=ppt/slides/slide14.xml><?xml version="1.0" encoding="utf-8"?>
 <p:sld xmlns:a="http://schemas.openxmlformats.org/drawingml/2006/main" xmlns:r="http://schemas.openxmlformats.org/officeDocument/2006/relationships" xmlns:p="http://schemas.openxmlformats.org/presentationml/2006/main">
   <p:cSld>
     <p:spTree>
@@ -4395,7 +5322,7 @@
           <a:p>
             <a:fld id="{69E57DC2-970A-4B3E-BB1C-7A09969E49DF}" type="slidenum">
               <a:rPr lang="en-US" smtClean="0"/>
-              <a:t>11</a:t>
+              <a:t>14</a:t>
             </a:fld>
             <a:endParaRPr lang="en-US" dirty="0"/>
           </a:p>
@@ -4547,6 +5474,35 @@
           </a:p>
         </p:txBody>
       </p:sp>
+      <p:sp>
+        <p:nvSpPr>
+          <p:cNvPr id="4" name="Slide Number Placeholder 3">
+            <a:extLst>
+              <a:ext uri="{FF2B5EF4-FFF2-40B4-BE49-F238E27FC236}">
+                <a16:creationId xmlns:a16="http://schemas.microsoft.com/office/drawing/2014/main" id="{83C875ED-D8F8-4E0C-BA8E-AAC3C6531F4F}"/>
+              </a:ext>
+            </a:extLst>
+          </p:cNvPr>
+          <p:cNvSpPr>
+            <a:spLocks noGrp="1"/>
+          </p:cNvSpPr>
+          <p:nvPr>
+            <p:ph type="sldNum" sz="quarter" idx="12"/>
+          </p:nvPr>
+        </p:nvSpPr>
+        <p:spPr/>
+        <p:txBody>
+          <a:bodyPr/>
+          <a:lstStyle/>
+          <a:p>
+            <a:fld id="{69E57DC2-970A-4B3E-BB1C-7A09969E49DF}" type="slidenum">
+              <a:rPr lang="en-US" smtClean="0"/>
+              <a:t>2</a:t>
+            </a:fld>
+            <a:endParaRPr lang="en-US" dirty="0"/>
+          </a:p>
+        </p:txBody>
+      </p:sp>
     </p:spTree>
     <p:extLst>
       <p:ext uri="{BB962C8B-B14F-4D97-AF65-F5344CB8AC3E}">
@@ -4731,6 +5687,35 @@
           </a:p>
         </p:txBody>
       </p:sp>
+      <p:sp>
+        <p:nvSpPr>
+          <p:cNvPr id="4" name="Slide Number Placeholder 3">
+            <a:extLst>
+              <a:ext uri="{FF2B5EF4-FFF2-40B4-BE49-F238E27FC236}">
+                <a16:creationId xmlns:a16="http://schemas.microsoft.com/office/drawing/2014/main" id="{D860E36E-8154-44FA-A58B-B0BE8257B03F}"/>
+              </a:ext>
+            </a:extLst>
+          </p:cNvPr>
+          <p:cNvSpPr>
+            <a:spLocks noGrp="1"/>
+          </p:cNvSpPr>
+          <p:nvPr>
+            <p:ph type="sldNum" sz="quarter" idx="12"/>
+          </p:nvPr>
+        </p:nvSpPr>
+        <p:spPr/>
+        <p:txBody>
+          <a:bodyPr/>
+          <a:lstStyle/>
+          <a:p>
+            <a:fld id="{69E57DC2-970A-4B3E-BB1C-7A09969E49DF}" type="slidenum">
+              <a:rPr lang="en-US" smtClean="0"/>
+              <a:t>3</a:t>
+            </a:fld>
+            <a:endParaRPr lang="en-US" dirty="0"/>
+          </a:p>
+        </p:txBody>
+      </p:sp>
     </p:spTree>
     <p:extLst>
       <p:ext uri="{BB962C8B-B14F-4D97-AF65-F5344CB8AC3E}">
@@ -4784,7 +5769,7 @@
           <a:p>
             <a:r>
               <a:rPr lang="en-US" dirty="0"/>
-              <a:t>Computer Components - GPU</a:t>
+              <a:t>Computer Components - CPU</a:t>
             </a:r>
           </a:p>
         </p:txBody>
@@ -4813,7 +5798,7 @@
         </p:spPr>
         <p:txBody>
           <a:bodyPr>
-            <a:normAutofit/>
+            <a:normAutofit fontScale="92500" lnSpcReduction="20000"/>
           </a:bodyPr>
           <a:lstStyle/>
           <a:p>
@@ -4825,8 +5810,8 @@
               <a:buChar char="§"/>
             </a:pPr>
             <a:r>
-              <a:rPr lang="en-US" dirty="0"/>
-              <a:t>GPU – Graphics Processing Unit</a:t>
+              <a:rPr lang="en-US" sz="2200" dirty="0"/>
+              <a:t>CPUs come in one of two architectures 32-bit (x86) or 64-bit. You’ll rarely see 32-bit machines these days however</a:t>
             </a:r>
           </a:p>
           <a:p>
@@ -4838,8 +5823,8 @@
               <a:buChar char="§"/>
             </a:pPr>
             <a:r>
-              <a:rPr lang="en-US" dirty="0"/>
-              <a:t>If the CPU is the brain and is so powerful, why do we need a GPU?</a:t>
+              <a:rPr lang="en-US" sz="2200" dirty="0"/>
+              <a:t>32-bit applications can work on 64-bit systems but 64-bit apps can’t run on 32-bit platforms</a:t>
             </a:r>
           </a:p>
           <a:p>
@@ -4851,20 +5836,16 @@
               <a:buChar char="§"/>
             </a:pPr>
             <a:r>
-              <a:rPr lang="en-US" dirty="0"/>
-              <a:t>CPUs are good at processing a instructions in </a:t>
-            </a:r>
-            <a:r>
-              <a:rPr lang="en-US" b="1" dirty="0"/>
-              <a:t>sequence</a:t>
-            </a:r>
-            <a:r>
-              <a:rPr lang="en-US" dirty="0"/>
-              <a:t>. GPUs are good at processing an instruction in </a:t>
-            </a:r>
-            <a:r>
-              <a:rPr lang="en-US" b="1" dirty="0"/>
-              <a:t>parallel</a:t>
+              <a:rPr lang="en-US" sz="2200" dirty="0"/>
+              <a:t>A</a:t>
+            </a:r>
+            <a:r>
+              <a:rPr lang="en-US" sz="2200" i="0" dirty="0"/>
+              <a:t>rchite</a:t>
+            </a:r>
+            <a:r>
+              <a:rPr lang="en-US" sz="2200" dirty="0"/>
+              <a:t>cture determines the amount of address lines to memory (RAM) and by extension how a program is written to use the address lines</a:t>
             </a:r>
           </a:p>
           <a:p>
@@ -4876,30 +5857,130 @@
               <a:buChar char="§"/>
             </a:pPr>
             <a:r>
-              <a:rPr lang="en-US" dirty="0"/>
-              <a:t>A GPU has to output one image (frame) to your screen at a point in time and every pixel of that image needs to be rendered (drawn, computed) at the same time</a:t>
-            </a:r>
+              <a:rPr lang="en-US" sz="2200" i="0" dirty="0"/>
+              <a:t>A 32 bit processor can only address 2</a:t>
+            </a:r>
+            <a:r>
+              <a:rPr lang="en-US" sz="2200" baseline="30000" dirty="0"/>
+              <a:t>32 </a:t>
+            </a:r>
+            <a:r>
+              <a:rPr lang="en-US" sz="2200" dirty="0"/>
+              <a:t>=4,294,967,296 bits = 4,294,967,296 /1024 bytes = ~4 Gigabytes of RAM</a:t>
+            </a:r>
+            <a:endParaRPr lang="en-US" sz="2200" i="0" dirty="0"/>
           </a:p>
           <a:p>
             <a:pPr>
               <a:lnSpc>
                 <a:spcPct val="150000"/>
               </a:lnSpc>
-              <a:buFont typeface="Wingdings" panose="05000000000000000000" pitchFamily="2" charset="2"/>
-              <a:buChar char="§"/>
             </a:pPr>
             <a:r>
-              <a:rPr lang="en-US" dirty="0"/>
-              <a:t>Each GPU comes with a memory rating 1,2,4,6,8GB and the type of memory it uses GDDR4/5/6. So the higher both of those ratings are the better.</a:t>
-            </a:r>
+              <a:rPr lang="en-US" sz="2200" dirty="0"/>
+              <a:t>A 64 bit processor can address 2</a:t>
+            </a:r>
+            <a:r>
+              <a:rPr lang="en-US" sz="2200" baseline="30000" dirty="0"/>
+              <a:t>64 </a:t>
+            </a:r>
+            <a:r>
+              <a:rPr lang="en-US" sz="2200" dirty="0"/>
+              <a:t>=18,446,744,073,709,551,616 bits = 18,014,398,509,481,984‬ /1024 bytes = ~18 Terabytes of RAM </a:t>
+            </a:r>
+          </a:p>
+          <a:p>
+            <a:pPr>
+              <a:lnSpc>
+                <a:spcPct val="150000"/>
+              </a:lnSpc>
+              <a:buFontTx/>
+              <a:buChar char="-"/>
+            </a:pPr>
             <a:endParaRPr lang="en-US" i="0" dirty="0"/>
+          </a:p>
+        </p:txBody>
+      </p:sp>
+      <p:pic>
+        <p:nvPicPr>
+          <p:cNvPr id="1026" name="Picture 2" descr="Flushed Face on Apple iOS 13.3">
+            <a:extLst>
+              <a:ext uri="{FF2B5EF4-FFF2-40B4-BE49-F238E27FC236}">
+                <a16:creationId xmlns:a16="http://schemas.microsoft.com/office/drawing/2014/main" id="{0F841ED0-FE39-4990-A75F-BA231C6FF572}"/>
+              </a:ext>
+            </a:extLst>
+          </p:cNvPr>
+          <p:cNvPicPr>
+            <a:picLocks noChangeAspect="1" noChangeArrowheads="1"/>
+          </p:cNvPicPr>
+          <p:nvPr/>
+        </p:nvPicPr>
+        <p:blipFill>
+          <a:blip r:embed="rId2">
+            <a:extLst>
+              <a:ext uri="{28A0092B-C50C-407E-A947-70E740481C1C}">
+                <a14:useLocalDpi xmlns:a14="http://schemas.microsoft.com/office/drawing/2010/main" val="0"/>
+              </a:ext>
+            </a:extLst>
+          </a:blip>
+          <a:srcRect/>
+          <a:stretch>
+            <a:fillRect/>
+          </a:stretch>
+        </p:blipFill>
+        <p:spPr bwMode="auto">
+          <a:xfrm>
+            <a:off x="8296940" y="5733607"/>
+            <a:ext cx="497072" cy="497072"/>
+          </a:xfrm>
+          <a:prstGeom prst="rect">
+            <a:avLst/>
+          </a:prstGeom>
+          <a:noFill/>
+          <a:extLst>
+            <a:ext uri="{909E8E84-426E-40DD-AFC4-6F175D3DCCD1}">
+              <a14:hiddenFill xmlns:a14="http://schemas.microsoft.com/office/drawing/2010/main">
+                <a:solidFill>
+                  <a:srgbClr val="FFFFFF"/>
+                </a:solidFill>
+              </a14:hiddenFill>
+            </a:ext>
+          </a:extLst>
+        </p:spPr>
+      </p:pic>
+      <p:sp>
+        <p:nvSpPr>
+          <p:cNvPr id="4" name="Slide Number Placeholder 3">
+            <a:extLst>
+              <a:ext uri="{FF2B5EF4-FFF2-40B4-BE49-F238E27FC236}">
+                <a16:creationId xmlns:a16="http://schemas.microsoft.com/office/drawing/2014/main" id="{1421E8C4-D46B-43A4-8DFD-01F7F61AE8AB}"/>
+              </a:ext>
+            </a:extLst>
+          </p:cNvPr>
+          <p:cNvSpPr>
+            <a:spLocks noGrp="1"/>
+          </p:cNvSpPr>
+          <p:nvPr>
+            <p:ph type="sldNum" sz="quarter" idx="12"/>
+          </p:nvPr>
+        </p:nvSpPr>
+        <p:spPr/>
+        <p:txBody>
+          <a:bodyPr/>
+          <a:lstStyle/>
+          <a:p>
+            <a:fld id="{69E57DC2-970A-4B3E-BB1C-7A09969E49DF}" type="slidenum">
+              <a:rPr lang="en-US" smtClean="0"/>
+              <a:t>4</a:t>
+            </a:fld>
+            <a:endParaRPr lang="en-US" dirty="0"/>
           </a:p>
         </p:txBody>
       </p:sp>
     </p:spTree>
     <p:extLst>
       <p:ext uri="{BB962C8B-B14F-4D97-AF65-F5344CB8AC3E}">
-        <p14:creationId xmlns:p14="http://schemas.microsoft.com/office/powerpoint/2010/main" val="1977224748"/>
+        <p14:creationId xmlns:p14="http://schemas.microsoft.com/office/powerpoint/2010/main" val="2540958506"/>
       </p:ext>
     </p:extLst>
   </p:cSld>
@@ -4949,7 +6030,7 @@
           <a:p>
             <a:r>
               <a:rPr lang="en-US" dirty="0"/>
-              <a:t>Computer Components – RAM</a:t>
+              <a:t>Computer Components - GPU</a:t>
             </a:r>
           </a:p>
         </p:txBody>
@@ -4991,7 +6072,7 @@
             </a:pPr>
             <a:r>
               <a:rPr lang="en-US" dirty="0"/>
-              <a:t>RAM – Random Access Memory (referred to as memory from here)</a:t>
+              <a:t>GPU – Graphics Processing Unit</a:t>
             </a:r>
           </a:p>
           <a:p>
@@ -5004,7 +6085,7 @@
             </a:pPr>
             <a:r>
               <a:rPr lang="en-US" dirty="0"/>
-              <a:t>It’s measured in GB (gigabytes) and its speed is measured in MHz (Megahertz)</a:t>
+              <a:t>If the CPU is the brain and is so powerful, why do we need a GPU?</a:t>
             </a:r>
           </a:p>
           <a:p>
@@ -5017,7 +6098,19 @@
             </a:pPr>
             <a:r>
               <a:rPr lang="en-US" dirty="0"/>
-              <a:t>RAM keeps the instructions of the programs you’re running at the ready for your beck and call. RAM is volatile, only keeps state if power is applied</a:t>
+              <a:t>CPUs are good at processing a instructions in </a:t>
+            </a:r>
+            <a:r>
+              <a:rPr lang="en-US" b="1" dirty="0"/>
+              <a:t>sequence</a:t>
+            </a:r>
+            <a:r>
+              <a:rPr lang="en-US" dirty="0"/>
+              <a:t>. GPUs are good at processing instructions in </a:t>
+            </a:r>
+            <a:r>
+              <a:rPr lang="en-US" b="1" dirty="0"/>
+              <a:t>parallel</a:t>
             </a:r>
           </a:p>
           <a:p>
@@ -5030,7 +6123,7 @@
             </a:pPr>
             <a:r>
               <a:rPr lang="en-US" dirty="0"/>
-              <a:t>It needs to be fast and randomly accessible because there’s no way to tell what a user is going to do or open.</a:t>
+              <a:t>A GPU has to output one image (frame) to your screen at a point in time and every pixel of that image needs to be rendered (drawn, computed) at the same time</a:t>
             </a:r>
           </a:p>
           <a:p>
@@ -5043,16 +6136,45 @@
             </a:pPr>
             <a:r>
               <a:rPr lang="en-US" dirty="0"/>
-              <a:t>Today’s consumer grade machines run on Double Data Rate v4 (DDR4) RAM and usually start out around 4GB of RAM and the highest speed is around 3200MHz</a:t>
+              <a:t>Each GPU comes with a memory rating 1,2,4,6,8GB and the type of memory it uses GDDR4/5/6. So the higher both of those ratings are the better.</a:t>
             </a:r>
             <a:endParaRPr lang="en-US" i="0" dirty="0"/>
+          </a:p>
+        </p:txBody>
+      </p:sp>
+      <p:sp>
+        <p:nvSpPr>
+          <p:cNvPr id="4" name="Slide Number Placeholder 3">
+            <a:extLst>
+              <a:ext uri="{FF2B5EF4-FFF2-40B4-BE49-F238E27FC236}">
+                <a16:creationId xmlns:a16="http://schemas.microsoft.com/office/drawing/2014/main" id="{EB15FACF-4A86-4205-9D51-A4245A441B8C}"/>
+              </a:ext>
+            </a:extLst>
+          </p:cNvPr>
+          <p:cNvSpPr>
+            <a:spLocks noGrp="1"/>
+          </p:cNvSpPr>
+          <p:nvPr>
+            <p:ph type="sldNum" sz="quarter" idx="12"/>
+          </p:nvPr>
+        </p:nvSpPr>
+        <p:spPr/>
+        <p:txBody>
+          <a:bodyPr/>
+          <a:lstStyle/>
+          <a:p>
+            <a:fld id="{69E57DC2-970A-4B3E-BB1C-7A09969E49DF}" type="slidenum">
+              <a:rPr lang="en-US" smtClean="0"/>
+              <a:t>5</a:t>
+            </a:fld>
+            <a:endParaRPr lang="en-US" dirty="0"/>
           </a:p>
         </p:txBody>
       </p:sp>
     </p:spTree>
     <p:extLst>
       <p:ext uri="{BB962C8B-B14F-4D97-AF65-F5344CB8AC3E}">
-        <p14:creationId xmlns:p14="http://schemas.microsoft.com/office/powerpoint/2010/main" val="1520301100"/>
+        <p14:creationId xmlns:p14="http://schemas.microsoft.com/office/powerpoint/2010/main" val="1977224748"/>
       </p:ext>
     </p:extLst>
   </p:cSld>
@@ -5102,17 +6224,17 @@
           <a:p>
             <a:r>
               <a:rPr lang="en-US" dirty="0"/>
-              <a:t>Computer Components – HDD, SSHD, SSD </a:t>
-            </a:r>
-          </a:p>
-        </p:txBody>
-      </p:sp>
-      <p:sp>
-        <p:nvSpPr>
-          <p:cNvPr id="5" name="Content Placeholder 4">
+              <a:t>Computer Components – RAM</a:t>
+            </a:r>
+          </a:p>
+        </p:txBody>
+      </p:sp>
+      <p:sp>
+        <p:nvSpPr>
+          <p:cNvPr id="3" name="Content Placeholder 2">
             <a:extLst>
               <a:ext uri="{FF2B5EF4-FFF2-40B4-BE49-F238E27FC236}">
-                <a16:creationId xmlns:a16="http://schemas.microsoft.com/office/drawing/2014/main" id="{7E0525B3-5405-4A70-AE33-1941456021DD}"/>
+                <a16:creationId xmlns:a16="http://schemas.microsoft.com/office/drawing/2014/main" id="{E7C120BD-4636-4BDC-9870-F14173EC9614}"/>
               </a:ext>
             </a:extLst>
           </p:cNvPr>
@@ -5125,60 +6247,15 @@
         </p:nvSpPr>
         <p:spPr>
           <a:xfrm>
-            <a:off x="1371600" y="2171700"/>
-            <a:ext cx="9601200" cy="3695700"/>
+            <a:off x="1371600" y="1428750"/>
+            <a:ext cx="9601200" cy="4983480"/>
           </a:xfrm>
         </p:spPr>
         <p:txBody>
-          <a:bodyPr/>
+          <a:bodyPr>
+            <a:normAutofit/>
+          </a:bodyPr>
           <a:lstStyle/>
-          <a:p>
-            <a:pPr>
-              <a:lnSpc>
-                <a:spcPct val="150000"/>
-              </a:lnSpc>
-            </a:pPr>
-            <a:r>
-              <a:rPr lang="en-US" dirty="0"/>
-              <a:t>Okay, what? It seems like the people who design these things just like to make abbreviations no? In any case here’s what each one means: </a:t>
-            </a:r>
-          </a:p>
-          <a:p>
-            <a:pPr marL="987552" lvl="2" indent="0">
-              <a:lnSpc>
-                <a:spcPct val="150000"/>
-              </a:lnSpc>
-              <a:buNone/>
-            </a:pPr>
-            <a:r>
-              <a:rPr lang="en-US" dirty="0"/>
-              <a:t>- HDD – Hard Disk Drive </a:t>
-            </a:r>
-          </a:p>
-          <a:p>
-            <a:pPr marL="987552" lvl="2" indent="0">
-              <a:lnSpc>
-                <a:spcPct val="150000"/>
-              </a:lnSpc>
-              <a:buNone/>
-            </a:pPr>
-            <a:r>
-              <a:rPr lang="en-US" dirty="0"/>
-              <a:t>- SSHD – Solid State Hybrid Drive </a:t>
-            </a:r>
-          </a:p>
-          <a:p>
-            <a:pPr marL="987552" lvl="2" indent="0">
-              <a:lnSpc>
-                <a:spcPct val="150000"/>
-              </a:lnSpc>
-              <a:buNone/>
-            </a:pPr>
-            <a:r>
-              <a:rPr lang="en-US" dirty="0"/>
-              <a:t>- SSD – Solid State Drive </a:t>
-            </a:r>
-          </a:p>
           <a:p>
             <a:pPr>
               <a:lnSpc>
@@ -5189,15 +6266,97 @@
             </a:pPr>
             <a:r>
               <a:rPr lang="en-US" dirty="0"/>
-              <a:t>That probably didn’t do much in terms of clearing it up. Before we go deeper, let’s explore what storage is and how it’s measured.</a:t>
-            </a:r>
+              <a:t>RAM – Random Access Memory (referred to as memory from here)</a:t>
+            </a:r>
+          </a:p>
+          <a:p>
+            <a:pPr>
+              <a:lnSpc>
+                <a:spcPct val="150000"/>
+              </a:lnSpc>
+              <a:buFont typeface="Wingdings" panose="05000000000000000000" pitchFamily="2" charset="2"/>
+              <a:buChar char="§"/>
+            </a:pPr>
+            <a:r>
+              <a:rPr lang="en-US" dirty="0"/>
+              <a:t>It’s measured in GB (gigabytes) and its speed is measured in MHz (Megahertz)</a:t>
+            </a:r>
+          </a:p>
+          <a:p>
+            <a:pPr>
+              <a:lnSpc>
+                <a:spcPct val="150000"/>
+              </a:lnSpc>
+              <a:buFont typeface="Wingdings" panose="05000000000000000000" pitchFamily="2" charset="2"/>
+              <a:buChar char="§"/>
+            </a:pPr>
+            <a:r>
+              <a:rPr lang="en-US" dirty="0"/>
+              <a:t>RAM keeps the instructions of the programs you’re running at the ready for your beck and call. RAM is volatile, only keeps state if power is applied</a:t>
+            </a:r>
+          </a:p>
+          <a:p>
+            <a:pPr>
+              <a:lnSpc>
+                <a:spcPct val="150000"/>
+              </a:lnSpc>
+              <a:buFont typeface="Wingdings" panose="05000000000000000000" pitchFamily="2" charset="2"/>
+              <a:buChar char="§"/>
+            </a:pPr>
+            <a:r>
+              <a:rPr lang="en-US" dirty="0"/>
+              <a:t>It needs to be fast and randomly accessible because there’s no way to tell what a user is going to do or open.</a:t>
+            </a:r>
+          </a:p>
+          <a:p>
+            <a:pPr>
+              <a:lnSpc>
+                <a:spcPct val="150000"/>
+              </a:lnSpc>
+              <a:buFont typeface="Wingdings" panose="05000000000000000000" pitchFamily="2" charset="2"/>
+              <a:buChar char="§"/>
+            </a:pPr>
+            <a:r>
+              <a:rPr lang="en-US" dirty="0"/>
+              <a:t>Today’s consumer grade machines run on Double Data Rate v4 (DDR4) RAM and usually start out around 4GB of RAM and the highest speed is around 3200MHz</a:t>
+            </a:r>
+            <a:endParaRPr lang="en-US" i="0" dirty="0"/>
+          </a:p>
+        </p:txBody>
+      </p:sp>
+      <p:sp>
+        <p:nvSpPr>
+          <p:cNvPr id="4" name="Slide Number Placeholder 3">
+            <a:extLst>
+              <a:ext uri="{FF2B5EF4-FFF2-40B4-BE49-F238E27FC236}">
+                <a16:creationId xmlns:a16="http://schemas.microsoft.com/office/drawing/2014/main" id="{A39B6485-6823-4C57-B9E9-7F1A8CAACCDF}"/>
+              </a:ext>
+            </a:extLst>
+          </p:cNvPr>
+          <p:cNvSpPr>
+            <a:spLocks noGrp="1"/>
+          </p:cNvSpPr>
+          <p:nvPr>
+            <p:ph type="sldNum" sz="quarter" idx="12"/>
+          </p:nvPr>
+        </p:nvSpPr>
+        <p:spPr/>
+        <p:txBody>
+          <a:bodyPr/>
+          <a:lstStyle/>
+          <a:p>
+            <a:fld id="{69E57DC2-970A-4B3E-BB1C-7A09969E49DF}" type="slidenum">
+              <a:rPr lang="en-US" smtClean="0"/>
+              <a:t>6</a:t>
+            </a:fld>
+            <a:endParaRPr lang="en-US" dirty="0"/>
           </a:p>
         </p:txBody>
       </p:sp>
     </p:spTree>
     <p:extLst>
       <p:ext uri="{BB962C8B-B14F-4D97-AF65-F5344CB8AC3E}">
-        <p14:creationId xmlns:p14="http://schemas.microsoft.com/office/powerpoint/2010/main" val="3569700190"/>
+        <p14:creationId xmlns:p14="http://schemas.microsoft.com/office/powerpoint/2010/main" val="1520301100"/>
       </p:ext>
     </p:extLst>
   </p:cSld>
@@ -5285,7 +6444,43 @@
             </a:pPr>
             <a:r>
               <a:rPr lang="en-US" dirty="0"/>
-              <a:t>The previous section mentioned RAM which is memory and this section talks about storage which essentially memory as well. </a:t>
+              <a:t>Okay, what? It seems like the people who design these things just like to make abbreviations no? In any case here’s what each one means: </a:t>
+            </a:r>
+          </a:p>
+          <a:p>
+            <a:pPr marL="987552" lvl="2" indent="0">
+              <a:lnSpc>
+                <a:spcPct val="150000"/>
+              </a:lnSpc>
+              <a:buNone/>
+            </a:pPr>
+            <a:r>
+              <a:rPr lang="en-US" dirty="0"/>
+              <a:t>- HDD – Hard Disk Drive </a:t>
+            </a:r>
+          </a:p>
+          <a:p>
+            <a:pPr marL="987552" lvl="2" indent="0">
+              <a:lnSpc>
+                <a:spcPct val="150000"/>
+              </a:lnSpc>
+              <a:buNone/>
+            </a:pPr>
+            <a:r>
+              <a:rPr lang="en-US" dirty="0"/>
+              <a:t>- SSHD – Solid State Hybrid Drive </a:t>
+            </a:r>
+          </a:p>
+          <a:p>
+            <a:pPr marL="987552" lvl="2" indent="0">
+              <a:lnSpc>
+                <a:spcPct val="150000"/>
+              </a:lnSpc>
+              <a:buNone/>
+            </a:pPr>
+            <a:r>
+              <a:rPr lang="en-US" dirty="0"/>
+              <a:t>- SSD – Solid State Drive </a:t>
             </a:r>
           </a:p>
           <a:p>
@@ -5293,18 +6488,49 @@
               <a:lnSpc>
                 <a:spcPct val="150000"/>
               </a:lnSpc>
+              <a:buFont typeface="Wingdings" panose="05000000000000000000" pitchFamily="2" charset="2"/>
+              <a:buChar char="§"/>
             </a:pPr>
             <a:r>
               <a:rPr lang="en-US" dirty="0"/>
-              <a:t>Machines need long term, non-volatile  (HDD, SSHD, SSD) and short term (RAM) memory. RAM only contains things when the machine is powered up and running or in sleep. Storage keeps things when you turn your system off. </a:t>
-            </a:r>
+              <a:t>That probably didn’t do much in terms of clearing it up. Before we go deeper, let’s explore what storage is and how it’s measured.</a:t>
+            </a:r>
+          </a:p>
+        </p:txBody>
+      </p:sp>
+      <p:sp>
+        <p:nvSpPr>
+          <p:cNvPr id="3" name="Slide Number Placeholder 2">
+            <a:extLst>
+              <a:ext uri="{FF2B5EF4-FFF2-40B4-BE49-F238E27FC236}">
+                <a16:creationId xmlns:a16="http://schemas.microsoft.com/office/drawing/2014/main" id="{ACA0CBD3-F7AF-4F0F-9A5C-D827A2B1D50A}"/>
+              </a:ext>
+            </a:extLst>
+          </p:cNvPr>
+          <p:cNvSpPr>
+            <a:spLocks noGrp="1"/>
+          </p:cNvSpPr>
+          <p:nvPr>
+            <p:ph type="sldNum" sz="quarter" idx="12"/>
+          </p:nvPr>
+        </p:nvSpPr>
+        <p:spPr/>
+        <p:txBody>
+          <a:bodyPr/>
+          <a:lstStyle/>
+          <a:p>
+            <a:fld id="{69E57DC2-970A-4B3E-BB1C-7A09969E49DF}" type="slidenum">
+              <a:rPr lang="en-US" smtClean="0"/>
+              <a:t>7</a:t>
+            </a:fld>
+            <a:endParaRPr lang="en-US" dirty="0"/>
           </a:p>
         </p:txBody>
       </p:sp>
     </p:spTree>
     <p:extLst>
       <p:ext uri="{BB962C8B-B14F-4D97-AF65-F5344CB8AC3E}">
-        <p14:creationId xmlns:p14="http://schemas.microsoft.com/office/powerpoint/2010/main" val="2247915743"/>
+        <p14:creationId xmlns:p14="http://schemas.microsoft.com/office/powerpoint/2010/main" val="3569700190"/>
       </p:ext>
     </p:extLst>
   </p:cSld>
@@ -5378,13 +6604,11 @@
         <p:spPr>
           <a:xfrm>
             <a:off x="1371600" y="2171700"/>
-            <a:ext cx="9601200" cy="4251960"/>
+            <a:ext cx="9601200" cy="3695700"/>
           </a:xfrm>
         </p:spPr>
         <p:txBody>
-          <a:bodyPr>
-            <a:normAutofit fontScale="92500"/>
-          </a:bodyPr>
+          <a:bodyPr/>
           <a:lstStyle/>
           <a:p>
             <a:pPr>
@@ -5394,7 +6618,7 @@
             </a:pPr>
             <a:r>
               <a:rPr lang="en-US" dirty="0"/>
-              <a:t>Storage is measured in Gigabytes (GB) nowadays so the higher the number of GB the better. It should be noted that 1TB(Terabyte) = 1000GB. </a:t>
+              <a:t>The previous section mentioned RAM which is memory and this section talks about storage which essentially memory as well. </a:t>
             </a:r>
           </a:p>
           <a:p>
@@ -5405,48 +6629,44 @@
             </a:pPr>
             <a:r>
               <a:rPr lang="en-US" dirty="0"/>
-              <a:t>SSD is the fastest and HDD is the slowest. </a:t>
-            </a:r>
-          </a:p>
-          <a:p>
-            <a:pPr>
-              <a:lnSpc>
-                <a:spcPct val="150000"/>
-              </a:lnSpc>
-            </a:pPr>
-            <a:r>
-              <a:rPr lang="en-US" dirty="0"/>
-              <a:t>Why is this? SSDs have no moving parts but HDDs do. Those moving parts introduce a considerable amount of time into reading and writing data. </a:t>
-            </a:r>
-          </a:p>
-          <a:p>
-            <a:pPr>
-              <a:lnSpc>
-                <a:spcPct val="150000"/>
-              </a:lnSpc>
-            </a:pPr>
-            <a:r>
-              <a:rPr lang="en-US" dirty="0"/>
-              <a:t>SSHDs have moving parts but they also have a bit of ‘SSD or flash’ memory in them hence the ‘hybrid’. </a:t>
-            </a:r>
-          </a:p>
-          <a:p>
-            <a:pPr>
-              <a:lnSpc>
-                <a:spcPct val="150000"/>
-              </a:lnSpc>
-            </a:pPr>
-            <a:r>
-              <a:rPr lang="en-US" dirty="0"/>
-              <a:t>HDDs also come in speeds of 5400RPM and 7200RPM, the latter being the better</a:t>
-            </a:r>
+              <a:t>Machines need long term, non-volatile  (HDD, SSHD, SSD) and short term (RAM) memory. RAM only contains things when the machine is powered up and running or in sleep. Storage keeps things when you turn your system off. </a:t>
+            </a:r>
+          </a:p>
+        </p:txBody>
+      </p:sp>
+      <p:sp>
+        <p:nvSpPr>
+          <p:cNvPr id="3" name="Slide Number Placeholder 2">
+            <a:extLst>
+              <a:ext uri="{FF2B5EF4-FFF2-40B4-BE49-F238E27FC236}">
+                <a16:creationId xmlns:a16="http://schemas.microsoft.com/office/drawing/2014/main" id="{302EDF43-FCD9-4147-82FA-FE98410DD763}"/>
+              </a:ext>
+            </a:extLst>
+          </p:cNvPr>
+          <p:cNvSpPr>
+            <a:spLocks noGrp="1"/>
+          </p:cNvSpPr>
+          <p:nvPr>
+            <p:ph type="sldNum" sz="quarter" idx="12"/>
+          </p:nvPr>
+        </p:nvSpPr>
+        <p:spPr/>
+        <p:txBody>
+          <a:bodyPr/>
+          <a:lstStyle/>
+          <a:p>
+            <a:fld id="{69E57DC2-970A-4B3E-BB1C-7A09969E49DF}" type="slidenum">
+              <a:rPr lang="en-US" smtClean="0"/>
+              <a:t>8</a:t>
+            </a:fld>
+            <a:endParaRPr lang="en-US" dirty="0"/>
           </a:p>
         </p:txBody>
       </p:sp>
     </p:spTree>
     <p:extLst>
       <p:ext uri="{BB962C8B-B14F-4D97-AF65-F5344CB8AC3E}">
-        <p14:creationId xmlns:p14="http://schemas.microsoft.com/office/powerpoint/2010/main" val="840663648"/>
+        <p14:creationId xmlns:p14="http://schemas.microsoft.com/office/powerpoint/2010/main" val="2247915743"/>
       </p:ext>
     </p:extLst>
   </p:cSld>
@@ -5558,7 +6778,7 @@
             </a:pPr>
             <a:r>
               <a:rPr lang="en-US" dirty="0"/>
-              <a:t>Why is this? SSDs have no moving parts but HDDs do. Those moving parts introduce a considerable amount of time into reading and writing data. </a:t>
+              <a:t>SSDs have no moving parts but HDDs do. Those moving parts introduce a considerable amount of time into reading and writing data. </a:t>
             </a:r>
           </a:p>
           <a:p>
@@ -5585,10 +6805,39 @@
           </a:p>
         </p:txBody>
       </p:sp>
+      <p:sp>
+        <p:nvSpPr>
+          <p:cNvPr id="3" name="Slide Number Placeholder 2">
+            <a:extLst>
+              <a:ext uri="{FF2B5EF4-FFF2-40B4-BE49-F238E27FC236}">
+                <a16:creationId xmlns:a16="http://schemas.microsoft.com/office/drawing/2014/main" id="{211C3523-B3E2-4EF3-B785-CB2B4C42B97E}"/>
+              </a:ext>
+            </a:extLst>
+          </p:cNvPr>
+          <p:cNvSpPr>
+            <a:spLocks noGrp="1"/>
+          </p:cNvSpPr>
+          <p:nvPr>
+            <p:ph type="sldNum" sz="quarter" idx="12"/>
+          </p:nvPr>
+        </p:nvSpPr>
+        <p:spPr/>
+        <p:txBody>
+          <a:bodyPr/>
+          <a:lstStyle/>
+          <a:p>
+            <a:fld id="{69E57DC2-970A-4B3E-BB1C-7A09969E49DF}" type="slidenum">
+              <a:rPr lang="en-US" smtClean="0"/>
+              <a:t>9</a:t>
+            </a:fld>
+            <a:endParaRPr lang="en-US" dirty="0"/>
+          </a:p>
+        </p:txBody>
+      </p:sp>
     </p:spTree>
     <p:extLst>
       <p:ext uri="{BB962C8B-B14F-4D97-AF65-F5344CB8AC3E}">
-        <p14:creationId xmlns:p14="http://schemas.microsoft.com/office/powerpoint/2010/main" val="1680985903"/>
+        <p14:creationId xmlns:p14="http://schemas.microsoft.com/office/powerpoint/2010/main" val="840663648"/>
       </p:ext>
     </p:extLst>
   </p:cSld>
@@ -5854,4 +7103,299 @@
     </a:ext>
   </a:extLst>
 </a:theme>
+</file>
+
+<file path=ppt/theme/theme2.xml><?xml version="1.0" encoding="utf-8"?>
+<a:theme xmlns:a="http://schemas.openxmlformats.org/drawingml/2006/main" name="Office Theme">
+  <a:themeElements>
+    <a:clrScheme name="Office">
+      <a:dk1>
+        <a:sysClr val="windowText" lastClr="000000"/>
+      </a:dk1>
+      <a:lt1>
+        <a:sysClr val="window" lastClr="FFFFFF"/>
+      </a:lt1>
+      <a:dk2>
+        <a:srgbClr val="44546A"/>
+      </a:dk2>
+      <a:lt2>
+        <a:srgbClr val="E7E6E6"/>
+      </a:lt2>
+      <a:accent1>
+        <a:srgbClr val="4472C4"/>
+      </a:accent1>
+      <a:accent2>
+        <a:srgbClr val="ED7D31"/>
+      </a:accent2>
+      <a:accent3>
+        <a:srgbClr val="A5A5A5"/>
+      </a:accent3>
+      <a:accent4>
+        <a:srgbClr val="FFC000"/>
+      </a:accent4>
+      <a:accent5>
+        <a:srgbClr val="5B9BD5"/>
+      </a:accent5>
+      <a:accent6>
+        <a:srgbClr val="70AD47"/>
+      </a:accent6>
+      <a:hlink>
+        <a:srgbClr val="0563C1"/>
+      </a:hlink>
+      <a:folHlink>
+        <a:srgbClr val="954F72"/>
+      </a:folHlink>
+    </a:clrScheme>
+    <a:fontScheme name="Office">
+      <a:majorFont>
+        <a:latin typeface="Calibri Light" panose="020F0302020204030204"/>
+        <a:ea typeface=""/>
+        <a:cs typeface=""/>
+        <a:font script="Jpan" typeface="游ゴシック Light"/>
+        <a:font script="Hang" typeface="맑은 고딕"/>
+        <a:font script="Hans" typeface="等线 Light"/>
+        <a:font script="Hant" typeface="新細明體"/>
+        <a:font script="Arab" typeface="Times New Roman"/>
+        <a:font script="Hebr" typeface="Times New Roman"/>
+        <a:font script="Thai" typeface="Angsana New"/>
+        <a:font script="Ethi" typeface="Nyala"/>
+        <a:font script="Beng" typeface="Vrinda"/>
+        <a:font script="Gujr" typeface="Shruti"/>
+        <a:font script="Khmr" typeface="MoolBoran"/>
+        <a:font script="Knda" typeface="Tunga"/>
+        <a:font script="Guru" typeface="Raavi"/>
+        <a:font script="Cans" typeface="Euphemia"/>
+        <a:font script="Cher" typeface="Plantagenet Cherokee"/>
+        <a:font script="Yiii" typeface="Microsoft Yi Baiti"/>
+        <a:font script="Tibt" typeface="Microsoft Himalaya"/>
+        <a:font script="Thaa" typeface="MV Boli"/>
+        <a:font script="Deva" typeface="Mangal"/>
+        <a:font script="Telu" typeface="Gautami"/>
+        <a:font script="Taml" typeface="Latha"/>
+        <a:font script="Syrc" typeface="Estrangelo Edessa"/>
+        <a:font script="Orya" typeface="Kalinga"/>
+        <a:font script="Mlym" typeface="Kartika"/>
+        <a:font script="Laoo" typeface="DokChampa"/>
+        <a:font script="Sinh" typeface="Iskoola Pota"/>
+        <a:font script="Mong" typeface="Mongolian Baiti"/>
+        <a:font script="Viet" typeface="Times New Roman"/>
+        <a:font script="Uigh" typeface="Microsoft Uighur"/>
+        <a:font script="Geor" typeface="Sylfaen"/>
+        <a:font script="Armn" typeface="Arial"/>
+        <a:font script="Bugi" typeface="Leelawadee UI"/>
+        <a:font script="Bopo" typeface="Microsoft JhengHei"/>
+        <a:font script="Java" typeface="Javanese Text"/>
+        <a:font script="Lisu" typeface="Segoe UI"/>
+        <a:font script="Mymr" typeface="Myanmar Text"/>
+        <a:font script="Nkoo" typeface="Ebrima"/>
+        <a:font script="Olck" typeface="Nirmala UI"/>
+        <a:font script="Osma" typeface="Ebrima"/>
+        <a:font script="Phag" typeface="Phagspa"/>
+        <a:font script="Syrn" typeface="Estrangelo Edessa"/>
+        <a:font script="Syrj" typeface="Estrangelo Edessa"/>
+        <a:font script="Syre" typeface="Estrangelo Edessa"/>
+        <a:font script="Sora" typeface="Nirmala UI"/>
+        <a:font script="Tale" typeface="Microsoft Tai Le"/>
+        <a:font script="Talu" typeface="Microsoft New Tai Lue"/>
+        <a:font script="Tfng" typeface="Ebrima"/>
+      </a:majorFont>
+      <a:minorFont>
+        <a:latin typeface="Calibri" panose="020F0502020204030204"/>
+        <a:ea typeface=""/>
+        <a:cs typeface=""/>
+        <a:font script="Jpan" typeface="游ゴシック"/>
+        <a:font script="Hang" typeface="맑은 고딕"/>
+        <a:font script="Hans" typeface="等线"/>
+        <a:font script="Hant" typeface="新細明體"/>
+        <a:font script="Arab" typeface="Arial"/>
+        <a:font script="Hebr" typeface="Arial"/>
+        <a:font script="Thai" typeface="Cordia New"/>
+        <a:font script="Ethi" typeface="Nyala"/>
+        <a:font script="Beng" typeface="Vrinda"/>
+        <a:font script="Gujr" typeface="Shruti"/>
+        <a:font script="Khmr" typeface="DaunPenh"/>
+        <a:font script="Knda" typeface="Tunga"/>
+        <a:font script="Guru" typeface="Raavi"/>
+        <a:font script="Cans" typeface="Euphemia"/>
+        <a:font script="Cher" typeface="Plantagenet Cherokee"/>
+        <a:font script="Yiii" typeface="Microsoft Yi Baiti"/>
+        <a:font script="Tibt" typeface="Microsoft Himalaya"/>
+        <a:font script="Thaa" typeface="MV Boli"/>
+        <a:font script="Deva" typeface="Mangal"/>
+        <a:font script="Telu" typeface="Gautami"/>
+        <a:font script="Taml" typeface="Latha"/>
+        <a:font script="Syrc" typeface="Estrangelo Edessa"/>
+        <a:font script="Orya" typeface="Kalinga"/>
+        <a:font script="Mlym" typeface="Kartika"/>
+        <a:font script="Laoo" typeface="DokChampa"/>
+        <a:font script="Sinh" typeface="Iskoola Pota"/>
+        <a:font script="Mong" typeface="Mongolian Baiti"/>
+        <a:font script="Viet" typeface="Arial"/>
+        <a:font script="Uigh" typeface="Microsoft Uighur"/>
+        <a:font script="Geor" typeface="Sylfaen"/>
+        <a:font script="Armn" typeface="Arial"/>
+        <a:font script="Bugi" typeface="Leelawadee UI"/>
+        <a:font script="Bopo" typeface="Microsoft JhengHei"/>
+        <a:font script="Java" typeface="Javanese Text"/>
+        <a:font script="Lisu" typeface="Segoe UI"/>
+        <a:font script="Mymr" typeface="Myanmar Text"/>
+        <a:font script="Nkoo" typeface="Ebrima"/>
+        <a:font script="Olck" typeface="Nirmala UI"/>
+        <a:font script="Osma" typeface="Ebrima"/>
+        <a:font script="Phag" typeface="Phagspa"/>
+        <a:font script="Syrn" typeface="Estrangelo Edessa"/>
+        <a:font script="Syrj" typeface="Estrangelo Edessa"/>
+        <a:font script="Syre" typeface="Estrangelo Edessa"/>
+        <a:font script="Sora" typeface="Nirmala UI"/>
+        <a:font script="Tale" typeface="Microsoft Tai Le"/>
+        <a:font script="Talu" typeface="Microsoft New Tai Lue"/>
+        <a:font script="Tfng" typeface="Ebrima"/>
+      </a:minorFont>
+    </a:fontScheme>
+    <a:fmtScheme name="Office">
+      <a:fillStyleLst>
+        <a:solidFill>
+          <a:schemeClr val="phClr"/>
+        </a:solidFill>
+        <a:gradFill rotWithShape="1">
+          <a:gsLst>
+            <a:gs pos="0">
+              <a:schemeClr val="phClr">
+                <a:lumMod val="110000"/>
+                <a:satMod val="105000"/>
+                <a:tint val="67000"/>
+              </a:schemeClr>
+            </a:gs>
+            <a:gs pos="50000">
+              <a:schemeClr val="phClr">
+                <a:lumMod val="105000"/>
+                <a:satMod val="103000"/>
+                <a:tint val="73000"/>
+              </a:schemeClr>
+            </a:gs>
+            <a:gs pos="100000">
+              <a:schemeClr val="phClr">
+                <a:lumMod val="105000"/>
+                <a:satMod val="109000"/>
+                <a:tint val="81000"/>
+              </a:schemeClr>
+            </a:gs>
+          </a:gsLst>
+          <a:lin ang="5400000" scaled="0"/>
+        </a:gradFill>
+        <a:gradFill rotWithShape="1">
+          <a:gsLst>
+            <a:gs pos="0">
+              <a:schemeClr val="phClr">
+                <a:satMod val="103000"/>
+                <a:lumMod val="102000"/>
+                <a:tint val="94000"/>
+              </a:schemeClr>
+            </a:gs>
+            <a:gs pos="50000">
+              <a:schemeClr val="phClr">
+                <a:satMod val="110000"/>
+                <a:lumMod val="100000"/>
+                <a:shade val="100000"/>
+              </a:schemeClr>
+            </a:gs>
+            <a:gs pos="100000">
+              <a:schemeClr val="phClr">
+                <a:lumMod val="99000"/>
+                <a:satMod val="120000"/>
+                <a:shade val="78000"/>
+              </a:schemeClr>
+            </a:gs>
+          </a:gsLst>
+          <a:lin ang="5400000" scaled="0"/>
+        </a:gradFill>
+      </a:fillStyleLst>
+      <a:lnStyleLst>
+        <a:ln w="6350" cap="flat" cmpd="sng" algn="ctr">
+          <a:solidFill>
+            <a:schemeClr val="phClr"/>
+          </a:solidFill>
+          <a:prstDash val="solid"/>
+          <a:miter lim="800000"/>
+        </a:ln>
+        <a:ln w="12700" cap="flat" cmpd="sng" algn="ctr">
+          <a:solidFill>
+            <a:schemeClr val="phClr"/>
+          </a:solidFill>
+          <a:prstDash val="solid"/>
+          <a:miter lim="800000"/>
+        </a:ln>
+        <a:ln w="19050" cap="flat" cmpd="sng" algn="ctr">
+          <a:solidFill>
+            <a:schemeClr val="phClr"/>
+          </a:solidFill>
+          <a:prstDash val="solid"/>
+          <a:miter lim="800000"/>
+        </a:ln>
+      </a:lnStyleLst>
+      <a:effectStyleLst>
+        <a:effectStyle>
+          <a:effectLst/>
+        </a:effectStyle>
+        <a:effectStyle>
+          <a:effectLst/>
+        </a:effectStyle>
+        <a:effectStyle>
+          <a:effectLst>
+            <a:outerShdw blurRad="57150" dist="19050" dir="5400000" algn="ctr" rotWithShape="0">
+              <a:srgbClr val="000000">
+                <a:alpha val="63000"/>
+              </a:srgbClr>
+            </a:outerShdw>
+          </a:effectLst>
+        </a:effectStyle>
+      </a:effectStyleLst>
+      <a:bgFillStyleLst>
+        <a:solidFill>
+          <a:schemeClr val="phClr"/>
+        </a:solidFill>
+        <a:solidFill>
+          <a:schemeClr val="phClr">
+            <a:tint val="95000"/>
+            <a:satMod val="170000"/>
+          </a:schemeClr>
+        </a:solidFill>
+        <a:gradFill rotWithShape="1">
+          <a:gsLst>
+            <a:gs pos="0">
+              <a:schemeClr val="phClr">
+                <a:tint val="93000"/>
+                <a:satMod val="150000"/>
+                <a:shade val="98000"/>
+                <a:lumMod val="102000"/>
+              </a:schemeClr>
+            </a:gs>
+            <a:gs pos="50000">
+              <a:schemeClr val="phClr">
+                <a:tint val="98000"/>
+                <a:satMod val="130000"/>
+                <a:shade val="90000"/>
+                <a:lumMod val="103000"/>
+              </a:schemeClr>
+            </a:gs>
+            <a:gs pos="100000">
+              <a:schemeClr val="phClr">
+                <a:shade val="63000"/>
+                <a:satMod val="120000"/>
+              </a:schemeClr>
+            </a:gs>
+          </a:gsLst>
+          <a:lin ang="5400000" scaled="0"/>
+        </a:gradFill>
+      </a:bgFillStyleLst>
+    </a:fmtScheme>
+  </a:themeElements>
+  <a:objectDefaults/>
+  <a:extraClrSchemeLst/>
+  <a:extLst>
+    <a:ext uri="{05A4C25C-085E-4340-85A3-A5531E510DB2}">
+      <thm15:themeFamily xmlns:thm15="http://schemas.microsoft.com/office/thememl/2012/main" name="Office Theme" id="{62F939B6-93AF-4DB8-9C6B-D6C7DFDC589F}" vid="{4A3C46E8-61CC-4603-A589-7422A47A8E4A}"/>
+    </a:ext>
+  </a:extLst>
+</a:theme>
 </file>